--- a/src/com/training/SPRING BOOT.pptx
+++ b/src/com/training/SPRING BOOT.pptx
@@ -15,9 +15,10 @@
     <p:sldId id="269" r:id="rId9"/>
     <p:sldId id="270" r:id="rId10"/>
     <p:sldId id="263" r:id="rId11"/>
-    <p:sldId id="264" r:id="rId12"/>
-    <p:sldId id="271" r:id="rId13"/>
-    <p:sldId id="272" r:id="rId14"/>
+    <p:sldId id="273" r:id="rId12"/>
+    <p:sldId id="264" r:id="rId13"/>
+    <p:sldId id="271" r:id="rId14"/>
+    <p:sldId id="272" r:id="rId15"/>
   </p:sldIdLst>
   <p:sldSz cx="12192000" cy="6858000"/>
   <p:notesSz cx="6858000" cy="9144000"/>
@@ -116,6 +117,11 @@
       </a:defRPr>
     </a:lvl9pPr>
   </p:defaultTextStyle>
+  <p:extLst>
+    <p:ext uri="{EFAFB233-063F-42B5-8137-9DF3F51BA10A}">
+      <p15:sldGuideLst xmlns:p15="http://schemas.microsoft.com/office/powerpoint/2012/main"/>
+    </p:ext>
+  </p:extLst>
 </p:presentation>
 </file>
 
@@ -6322,7 +6328,7 @@
             <a:pPr algn="ctr"/>
             <a:r>
               <a:rPr lang="en-US" dirty="0" smtClean="0"/>
-              <a:t>Annotations</a:t>
+              <a:t> Spring Boot Entry Point Class</a:t>
             </a:r>
             <a:endParaRPr lang="en-US" dirty="0"/>
           </a:p>
@@ -6330,7 +6336,7 @@
       </p:sp>
       <p:pic>
         <p:nvPicPr>
-          <p:cNvPr id="5" name="Content Placeholder 4"/>
+          <p:cNvPr id="4" name="Content Placeholder 3"/>
           <p:cNvPicPr>
             <a:picLocks noGrp="1" noChangeAspect="1"/>
           </p:cNvPicPr>
@@ -6346,56 +6352,18 @@
         </p:blipFill>
         <p:spPr>
           <a:xfrm>
-            <a:off x="4051739" y="2033752"/>
-            <a:ext cx="6873766" cy="4020207"/>
+            <a:off x="1111331" y="1450427"/>
+            <a:ext cx="8474282" cy="4981903"/>
           </a:xfrm>
           <a:prstGeom prst="rect">
             <a:avLst/>
           </a:prstGeom>
         </p:spPr>
       </p:pic>
-      <p:sp>
-        <p:nvSpPr>
-          <p:cNvPr id="6" name="TextBox 5"/>
-          <p:cNvSpPr txBox="1"/>
-          <p:nvPr/>
-        </p:nvSpPr>
-        <p:spPr>
-          <a:xfrm>
-            <a:off x="646111" y="2648606"/>
-            <a:ext cx="3168869" cy="523220"/>
-          </a:xfrm>
-          <a:prstGeom prst="rect">
-            <a:avLst/>
-          </a:prstGeom>
-          <a:noFill/>
-        </p:spPr>
-        <p:txBody>
-          <a:bodyPr wrap="square" rtlCol="0">
-            <a:spAutoFit/>
-          </a:bodyPr>
-          <a:lstStyle/>
-          <a:p>
-            <a:pPr marL="285750" indent="-285750">
-              <a:buFont typeface="Wingdings" panose="05000000000000000000" pitchFamily="2" charset="2"/>
-              <a:buChar char="v"/>
-            </a:pPr>
-            <a:r>
-              <a:rPr lang="en-US" dirty="0" smtClean="0"/>
-              <a:t> </a:t>
-            </a:r>
-            <a:r>
-              <a:rPr lang="en-US" sz="2800" dirty="0" smtClean="0"/>
-              <a:t>RestController</a:t>
-            </a:r>
-            <a:endParaRPr lang="en-US" sz="2800" dirty="0"/>
-          </a:p>
-        </p:txBody>
-      </p:sp>
     </p:spTree>
     <p:extLst>
       <p:ext uri="{BB962C8B-B14F-4D97-AF65-F5344CB8AC3E}">
-        <p14:creationId xmlns:p14="http://schemas.microsoft.com/office/powerpoint/2010/main" val="2445357028"/>
+        <p14:creationId xmlns:p14="http://schemas.microsoft.com/office/powerpoint/2010/main" val="911879615"/>
       </p:ext>
     </p:extLst>
   </p:cSld>
@@ -6424,6 +6392,124 @@
       </p:grpSpPr>
       <p:sp>
         <p:nvSpPr>
+          <p:cNvPr id="2" name="Title 1"/>
+          <p:cNvSpPr>
+            <a:spLocks noGrp="1"/>
+          </p:cNvSpPr>
+          <p:nvPr>
+            <p:ph type="title"/>
+          </p:nvPr>
+        </p:nvSpPr>
+        <p:spPr/>
+        <p:txBody>
+          <a:bodyPr/>
+          <a:lstStyle/>
+          <a:p>
+            <a:pPr algn="ctr"/>
+            <a:r>
+              <a:rPr lang="en-US" dirty="0" smtClean="0"/>
+              <a:t>Annotations</a:t>
+            </a:r>
+            <a:endParaRPr lang="en-US" dirty="0"/>
+          </a:p>
+        </p:txBody>
+      </p:sp>
+      <p:pic>
+        <p:nvPicPr>
+          <p:cNvPr id="5" name="Content Placeholder 4"/>
+          <p:cNvPicPr>
+            <a:picLocks noGrp="1" noChangeAspect="1"/>
+          </p:cNvPicPr>
+          <p:nvPr>
+            <p:ph idx="1"/>
+          </p:nvPr>
+        </p:nvPicPr>
+        <p:blipFill>
+          <a:blip r:embed="rId2"/>
+          <a:stretch>
+            <a:fillRect/>
+          </a:stretch>
+        </p:blipFill>
+        <p:spPr>
+          <a:xfrm>
+            <a:off x="4051739" y="2033752"/>
+            <a:ext cx="6873766" cy="4020207"/>
+          </a:xfrm>
+          <a:prstGeom prst="rect">
+            <a:avLst/>
+          </a:prstGeom>
+        </p:spPr>
+      </p:pic>
+      <p:sp>
+        <p:nvSpPr>
+          <p:cNvPr id="6" name="TextBox 5"/>
+          <p:cNvSpPr txBox="1"/>
+          <p:nvPr/>
+        </p:nvSpPr>
+        <p:spPr>
+          <a:xfrm>
+            <a:off x="646111" y="2648606"/>
+            <a:ext cx="3168869" cy="523220"/>
+          </a:xfrm>
+          <a:prstGeom prst="rect">
+            <a:avLst/>
+          </a:prstGeom>
+          <a:noFill/>
+        </p:spPr>
+        <p:txBody>
+          <a:bodyPr wrap="square" rtlCol="0">
+            <a:spAutoFit/>
+          </a:bodyPr>
+          <a:lstStyle/>
+          <a:p>
+            <a:pPr marL="285750" indent="-285750">
+              <a:buFont typeface="Wingdings" panose="05000000000000000000" pitchFamily="2" charset="2"/>
+              <a:buChar char="v"/>
+            </a:pPr>
+            <a:r>
+              <a:rPr lang="en-US" dirty="0" smtClean="0"/>
+              <a:t> </a:t>
+            </a:r>
+            <a:r>
+              <a:rPr lang="en-US" sz="2800" dirty="0" smtClean="0"/>
+              <a:t>RestController</a:t>
+            </a:r>
+            <a:endParaRPr lang="en-US" sz="2800" dirty="0"/>
+          </a:p>
+        </p:txBody>
+      </p:sp>
+    </p:spTree>
+    <p:extLst>
+      <p:ext uri="{BB962C8B-B14F-4D97-AF65-F5344CB8AC3E}">
+        <p14:creationId xmlns:p14="http://schemas.microsoft.com/office/powerpoint/2010/main" val="2445357028"/>
+      </p:ext>
+    </p:extLst>
+  </p:cSld>
+  <p:clrMapOvr>
+    <a:masterClrMapping/>
+  </p:clrMapOvr>
+</p:sld>
+</file>
+
+<file path=ppt/slides/slide13.xml><?xml version="1.0" encoding="utf-8"?>
+<p:sld xmlns:a="http://schemas.openxmlformats.org/drawingml/2006/main" xmlns:r="http://schemas.openxmlformats.org/officeDocument/2006/relationships" xmlns:p="http://schemas.openxmlformats.org/presentationml/2006/main">
+  <p:cSld>
+    <p:spTree>
+      <p:nvGrpSpPr>
+        <p:cNvPr id="1" name=""/>
+        <p:cNvGrpSpPr/>
+        <p:nvPr/>
+      </p:nvGrpSpPr>
+      <p:grpSpPr>
+        <a:xfrm>
+          <a:off x="0" y="0"/>
+          <a:ext cx="0" cy="0"/>
+          <a:chOff x="0" y="0"/>
+          <a:chExt cx="0" cy="0"/>
+        </a:xfrm>
+      </p:grpSpPr>
+      <p:sp>
+        <p:nvSpPr>
           <p:cNvPr id="3" name="Content Placeholder 2"/>
           <p:cNvSpPr>
             <a:spLocks noGrp="1"/>
@@ -6515,7 +6601,7 @@
 </p:sld>
 </file>
 
-<file path=ppt/slides/slide13.xml><?xml version="1.0" encoding="utf-8"?>
+<file path=ppt/slides/slide14.xml><?xml version="1.0" encoding="utf-8"?>
 <p:sld xmlns:a="http://schemas.openxmlformats.org/drawingml/2006/main" xmlns:r="http://schemas.openxmlformats.org/officeDocument/2006/relationships" xmlns:p="http://schemas.openxmlformats.org/presentationml/2006/main">
   <p:cSld>
     <p:spTree>
